--- a/source/_drafts/2021秋招/学习计划/周分享/链表.pptx
+++ b/source/_drafts/2021秋招/学习计划/周分享/链表.pptx
@@ -5,7 +5,7 @@
     <p:sldMasterId id="2147483648" r:id="rId1"/>
   </p:sldMasterIdLst>
   <p:notesMasterIdLst>
-    <p:notesMasterId r:id="rId29"/>
+    <p:notesMasterId r:id="rId30"/>
   </p:notesMasterIdLst>
   <p:sldIdLst>
     <p:sldId id="266" r:id="rId2"/>
@@ -35,6 +35,7 @@
     <p:sldId id="280" r:id="rId26"/>
     <p:sldId id="281" r:id="rId27"/>
     <p:sldId id="282" r:id="rId28"/>
+    <p:sldId id="283" r:id="rId29"/>
   </p:sldIdLst>
   <p:sldSz cx="12192000" cy="6858000"/>
   <p:notesSz cx="6858000" cy="9144000"/>
@@ -223,7 +224,7 @@
           <a:p>
             <a:fld id="{4220F99A-3DF1-D941-8A64-6466018CD524}" type="datetimeFigureOut">
               <a:rPr kumimoji="1" lang="zh-CN" altLang="en-US" smtClean="0"/>
-              <a:t>2021/5/12</a:t>
+              <a:t>2021/5/25</a:t>
             </a:fld>
             <a:endParaRPr kumimoji="1" lang="zh-CN" altLang="en-US"/>
           </a:p>
@@ -637,7 +638,7 @@
           <a:p>
             <a:fld id="{8BBB2520-A3F8-174B-BDA1-E77A6D96F46D}" type="datetimeFigureOut">
               <a:rPr kumimoji="1" lang="zh-CN" altLang="en-US" smtClean="0"/>
-              <a:t>2021/5/12</a:t>
+              <a:t>2021/5/25</a:t>
             </a:fld>
             <a:endParaRPr kumimoji="1" lang="zh-CN" altLang="en-US"/>
           </a:p>
@@ -835,7 +836,7 @@
           <a:p>
             <a:fld id="{8BBB2520-A3F8-174B-BDA1-E77A6D96F46D}" type="datetimeFigureOut">
               <a:rPr kumimoji="1" lang="zh-CN" altLang="en-US" smtClean="0"/>
-              <a:t>2021/5/12</a:t>
+              <a:t>2021/5/25</a:t>
             </a:fld>
             <a:endParaRPr kumimoji="1" lang="zh-CN" altLang="en-US"/>
           </a:p>
@@ -1043,7 +1044,7 @@
           <a:p>
             <a:fld id="{8BBB2520-A3F8-174B-BDA1-E77A6D96F46D}" type="datetimeFigureOut">
               <a:rPr kumimoji="1" lang="zh-CN" altLang="en-US" smtClean="0"/>
-              <a:t>2021/5/12</a:t>
+              <a:t>2021/5/25</a:t>
             </a:fld>
             <a:endParaRPr kumimoji="1" lang="zh-CN" altLang="en-US"/>
           </a:p>
@@ -1241,7 +1242,7 @@
           <a:p>
             <a:fld id="{8BBB2520-A3F8-174B-BDA1-E77A6D96F46D}" type="datetimeFigureOut">
               <a:rPr kumimoji="1" lang="zh-CN" altLang="en-US" smtClean="0"/>
-              <a:t>2021/5/12</a:t>
+              <a:t>2021/5/25</a:t>
             </a:fld>
             <a:endParaRPr kumimoji="1" lang="zh-CN" altLang="en-US"/>
           </a:p>
@@ -1516,7 +1517,7 @@
           <a:p>
             <a:fld id="{8BBB2520-A3F8-174B-BDA1-E77A6D96F46D}" type="datetimeFigureOut">
               <a:rPr kumimoji="1" lang="zh-CN" altLang="en-US" smtClean="0"/>
-              <a:t>2021/5/12</a:t>
+              <a:t>2021/5/25</a:t>
             </a:fld>
             <a:endParaRPr kumimoji="1" lang="zh-CN" altLang="en-US"/>
           </a:p>
@@ -1781,7 +1782,7 @@
           <a:p>
             <a:fld id="{8BBB2520-A3F8-174B-BDA1-E77A6D96F46D}" type="datetimeFigureOut">
               <a:rPr kumimoji="1" lang="zh-CN" altLang="en-US" smtClean="0"/>
-              <a:t>2021/5/12</a:t>
+              <a:t>2021/5/25</a:t>
             </a:fld>
             <a:endParaRPr kumimoji="1" lang="zh-CN" altLang="en-US"/>
           </a:p>
@@ -2193,7 +2194,7 @@
           <a:p>
             <a:fld id="{8BBB2520-A3F8-174B-BDA1-E77A6D96F46D}" type="datetimeFigureOut">
               <a:rPr kumimoji="1" lang="zh-CN" altLang="en-US" smtClean="0"/>
-              <a:t>2021/5/12</a:t>
+              <a:t>2021/5/25</a:t>
             </a:fld>
             <a:endParaRPr kumimoji="1" lang="zh-CN" altLang="en-US"/>
           </a:p>
@@ -2334,7 +2335,7 @@
           <a:p>
             <a:fld id="{8BBB2520-A3F8-174B-BDA1-E77A6D96F46D}" type="datetimeFigureOut">
               <a:rPr kumimoji="1" lang="zh-CN" altLang="en-US" smtClean="0"/>
-              <a:t>2021/5/12</a:t>
+              <a:t>2021/5/25</a:t>
             </a:fld>
             <a:endParaRPr kumimoji="1" lang="zh-CN" altLang="en-US"/>
           </a:p>
@@ -2447,7 +2448,7 @@
           <a:p>
             <a:fld id="{8BBB2520-A3F8-174B-BDA1-E77A6D96F46D}" type="datetimeFigureOut">
               <a:rPr kumimoji="1" lang="zh-CN" altLang="en-US" smtClean="0"/>
-              <a:t>2021/5/12</a:t>
+              <a:t>2021/5/25</a:t>
             </a:fld>
             <a:endParaRPr kumimoji="1" lang="zh-CN" altLang="en-US"/>
           </a:p>
@@ -2758,7 +2759,7 @@
           <a:p>
             <a:fld id="{8BBB2520-A3F8-174B-BDA1-E77A6D96F46D}" type="datetimeFigureOut">
               <a:rPr kumimoji="1" lang="zh-CN" altLang="en-US" smtClean="0"/>
-              <a:t>2021/5/12</a:t>
+              <a:t>2021/5/25</a:t>
             </a:fld>
             <a:endParaRPr kumimoji="1" lang="zh-CN" altLang="en-US"/>
           </a:p>
@@ -3046,7 +3047,7 @@
           <a:p>
             <a:fld id="{8BBB2520-A3F8-174B-BDA1-E77A6D96F46D}" type="datetimeFigureOut">
               <a:rPr kumimoji="1" lang="zh-CN" altLang="en-US" smtClean="0"/>
-              <a:t>2021/5/12</a:t>
+              <a:t>2021/5/25</a:t>
             </a:fld>
             <a:endParaRPr kumimoji="1" lang="zh-CN" altLang="en-US"/>
           </a:p>
@@ -3287,7 +3288,7 @@
           <a:p>
             <a:fld id="{8BBB2520-A3F8-174B-BDA1-E77A6D96F46D}" type="datetimeFigureOut">
               <a:rPr kumimoji="1" lang="zh-CN" altLang="en-US" smtClean="0"/>
-              <a:t>2021/5/12</a:t>
+              <a:t>2021/5/25</a:t>
             </a:fld>
             <a:endParaRPr kumimoji="1" lang="zh-CN" altLang="en-US"/>
           </a:p>
@@ -18834,6 +18835,552 @@
     <p:extLst>
       <p:ext uri="{BB962C8B-B14F-4D97-AF65-F5344CB8AC3E}">
         <p14:creationId xmlns:p14="http://schemas.microsoft.com/office/powerpoint/2010/main" val="2478452216"/>
+      </p:ext>
+    </p:extLst>
+  </p:cSld>
+  <p:clrMapOvr>
+    <a:masterClrMapping/>
+  </p:clrMapOvr>
+</p:sld>
+</file>
+
+<file path=ppt/slides/slide28.xml><?xml version="1.0" encoding="utf-8"?>
+<p:sld xmlns:a="http://schemas.openxmlformats.org/drawingml/2006/main" xmlns:r="http://schemas.openxmlformats.org/officeDocument/2006/relationships" xmlns:p="http://schemas.openxmlformats.org/presentationml/2006/main">
+  <p:cSld>
+    <p:spTree>
+      <p:nvGrpSpPr>
+        <p:cNvPr id="1" name=""/>
+        <p:cNvGrpSpPr/>
+        <p:nvPr/>
+      </p:nvGrpSpPr>
+      <p:grpSpPr>
+        <a:xfrm>
+          <a:off x="0" y="0"/>
+          <a:ext cx="0" cy="0"/>
+          <a:chOff x="0" y="0"/>
+          <a:chExt cx="0" cy="0"/>
+        </a:xfrm>
+      </p:grpSpPr>
+      <p:sp>
+        <p:nvSpPr>
+          <p:cNvPr id="3" name="圆角矩形 2">
+            <a:extLst>
+              <a:ext uri="{FF2B5EF4-FFF2-40B4-BE49-F238E27FC236}">
+                <a16:creationId xmlns:a16="http://schemas.microsoft.com/office/drawing/2014/main" id="{DC70BAB2-8828-8B44-8C48-FFD3D65BDC43}"/>
+              </a:ext>
+            </a:extLst>
+          </p:cNvPr>
+          <p:cNvSpPr/>
+          <p:nvPr/>
+        </p:nvSpPr>
+        <p:spPr>
+          <a:xfrm>
+            <a:off x="696112" y="1828163"/>
+            <a:ext cx="4405745" cy="822036"/>
+          </a:xfrm>
+          <a:prstGeom prst="roundRect">
+            <a:avLst/>
+          </a:prstGeom>
+        </p:spPr>
+        <p:style>
+          <a:lnRef idx="2">
+            <a:schemeClr val="accent1">
+              <a:shade val="50000"/>
+            </a:schemeClr>
+          </a:lnRef>
+          <a:fillRef idx="1">
+            <a:schemeClr val="accent1"/>
+          </a:fillRef>
+          <a:effectRef idx="0">
+            <a:schemeClr val="accent1"/>
+          </a:effectRef>
+          <a:fontRef idx="minor">
+            <a:schemeClr val="lt1"/>
+          </a:fontRef>
+        </p:style>
+        <p:txBody>
+          <a:bodyPr rtlCol="0" anchor="ctr"/>
+          <a:lstStyle/>
+          <a:p>
+            <a:pPr algn="ctr"/>
+            <a:endParaRPr kumimoji="1" lang="zh-CN" altLang="en-US"/>
+          </a:p>
+        </p:txBody>
+      </p:sp>
+      <p:sp>
+        <p:nvSpPr>
+          <p:cNvPr id="6" name="文本框 5">
+            <a:extLst>
+              <a:ext uri="{FF2B5EF4-FFF2-40B4-BE49-F238E27FC236}">
+                <a16:creationId xmlns:a16="http://schemas.microsoft.com/office/drawing/2014/main" id="{10C08AF6-1574-2648-BD0A-9DC85D73B99A}"/>
+              </a:ext>
+            </a:extLst>
+          </p:cNvPr>
+          <p:cNvSpPr txBox="1"/>
+          <p:nvPr/>
+        </p:nvSpPr>
+        <p:spPr>
+          <a:xfrm>
+            <a:off x="853130" y="1916015"/>
+            <a:ext cx="4405745" cy="646331"/>
+          </a:xfrm>
+          <a:prstGeom prst="rect">
+            <a:avLst/>
+          </a:prstGeom>
+          <a:noFill/>
+        </p:spPr>
+        <p:txBody>
+          <a:bodyPr wrap="square" rtlCol="0">
+            <a:spAutoFit/>
+          </a:bodyPr>
+          <a:lstStyle/>
+          <a:p>
+            <a:r>
+              <a:rPr kumimoji="1" lang="en-US" altLang="zh-CN" sz="3600" b="1" u="sng" dirty="0" err="1"/>
+              <a:t>i</a:t>
+            </a:r>
+            <a:r>
+              <a:rPr kumimoji="1" lang="en-US" altLang="zh-CN" sz="3600" dirty="0" err="1">
+                <a:solidFill>
+                  <a:srgbClr val="FF0000"/>
+                </a:solidFill>
+              </a:rPr>
+              <a:t>xxxxxxxxxxxxxxxxxxx</a:t>
+            </a:r>
+            <a:r>
+              <a:rPr kumimoji="1" lang="en-US" altLang="zh-CN" sz="3600" b="1" u="sng" dirty="0" err="1"/>
+              <a:t>j</a:t>
+            </a:r>
+            <a:endParaRPr kumimoji="1" lang="zh-CN" altLang="en-US" sz="3600" b="1" u="sng" dirty="0"/>
+          </a:p>
+        </p:txBody>
+      </p:sp>
+      <p:sp>
+        <p:nvSpPr>
+          <p:cNvPr id="42" name="左大括号 41">
+            <a:extLst>
+              <a:ext uri="{FF2B5EF4-FFF2-40B4-BE49-F238E27FC236}">
+                <a16:creationId xmlns:a16="http://schemas.microsoft.com/office/drawing/2014/main" id="{AA8F87DC-B834-C146-8CB6-62AC5A9F6FAA}"/>
+              </a:ext>
+            </a:extLst>
+          </p:cNvPr>
+          <p:cNvSpPr/>
+          <p:nvPr/>
+        </p:nvSpPr>
+        <p:spPr>
+          <a:xfrm rot="5400000">
+            <a:off x="2636326" y="-771188"/>
+            <a:ext cx="526472" cy="3942772"/>
+          </a:xfrm>
+          <a:prstGeom prst="leftBrace">
+            <a:avLst/>
+          </a:prstGeom>
+          <a:ln/>
+        </p:spPr>
+        <p:style>
+          <a:lnRef idx="3">
+            <a:schemeClr val="dk1"/>
+          </a:lnRef>
+          <a:fillRef idx="0">
+            <a:schemeClr val="dk1"/>
+          </a:fillRef>
+          <a:effectRef idx="2">
+            <a:schemeClr val="dk1"/>
+          </a:effectRef>
+          <a:fontRef idx="minor">
+            <a:schemeClr val="tx1"/>
+          </a:fontRef>
+        </p:style>
+        <p:txBody>
+          <a:bodyPr rtlCol="0" anchor="ctr"/>
+          <a:lstStyle/>
+          <a:p>
+            <a:pPr algn="ctr"/>
+            <a:endParaRPr kumimoji="1" lang="zh-CN" altLang="en-US"/>
+          </a:p>
+        </p:txBody>
+      </p:sp>
+      <p:sp>
+        <p:nvSpPr>
+          <p:cNvPr id="10" name="文本框 9">
+            <a:extLst>
+              <a:ext uri="{FF2B5EF4-FFF2-40B4-BE49-F238E27FC236}">
+                <a16:creationId xmlns:a16="http://schemas.microsoft.com/office/drawing/2014/main" id="{538BF7E2-47A0-A741-A25D-22B3C66B345A}"/>
+              </a:ext>
+            </a:extLst>
+          </p:cNvPr>
+          <p:cNvSpPr txBox="1"/>
+          <p:nvPr/>
+        </p:nvSpPr>
+        <p:spPr>
+          <a:xfrm>
+            <a:off x="2318971" y="567014"/>
+            <a:ext cx="1160026" cy="369332"/>
+          </a:xfrm>
+          <a:prstGeom prst="rect">
+            <a:avLst/>
+          </a:prstGeom>
+          <a:noFill/>
+        </p:spPr>
+        <p:txBody>
+          <a:bodyPr wrap="square" rtlCol="0">
+            <a:spAutoFit/>
+          </a:bodyPr>
+          <a:lstStyle/>
+          <a:p>
+            <a:r>
+              <a:rPr kumimoji="1" lang="zh-CN" altLang="en-US" b="1" dirty="0"/>
+              <a:t>序列</a:t>
+            </a:r>
+            <a:r>
+              <a:rPr kumimoji="1" lang="en-US" altLang="zh-CN" b="1" dirty="0"/>
+              <a:t>S[</a:t>
+            </a:r>
+            <a:r>
+              <a:rPr kumimoji="1" lang="en-US" altLang="zh-CN" b="1" dirty="0" err="1"/>
+              <a:t>i:j</a:t>
+            </a:r>
+            <a:r>
+              <a:rPr kumimoji="1" lang="en-US" altLang="zh-CN" b="1" dirty="0"/>
+              <a:t>]</a:t>
+            </a:r>
+            <a:endParaRPr kumimoji="1" lang="zh-CN" altLang="en-US" b="1" dirty="0"/>
+          </a:p>
+        </p:txBody>
+      </p:sp>
+      <p:sp>
+        <p:nvSpPr>
+          <p:cNvPr id="17" name="左大括号 16">
+            <a:extLst>
+              <a:ext uri="{FF2B5EF4-FFF2-40B4-BE49-F238E27FC236}">
+                <a16:creationId xmlns:a16="http://schemas.microsoft.com/office/drawing/2014/main" id="{9B0A2D09-5375-7E45-BE4A-7D7F7ACB71A3}"/>
+              </a:ext>
+            </a:extLst>
+          </p:cNvPr>
+          <p:cNvSpPr/>
+          <p:nvPr/>
+        </p:nvSpPr>
+        <p:spPr>
+          <a:xfrm rot="16200000">
+            <a:off x="2776244" y="1587760"/>
+            <a:ext cx="477544" cy="4173679"/>
+          </a:xfrm>
+          <a:prstGeom prst="leftBrace">
+            <a:avLst/>
+          </a:prstGeom>
+          <a:ln/>
+        </p:spPr>
+        <p:style>
+          <a:lnRef idx="3">
+            <a:schemeClr val="dk1"/>
+          </a:lnRef>
+          <a:fillRef idx="0">
+            <a:schemeClr val="dk1"/>
+          </a:fillRef>
+          <a:effectRef idx="2">
+            <a:schemeClr val="dk1"/>
+          </a:effectRef>
+          <a:fontRef idx="minor">
+            <a:schemeClr val="tx1"/>
+          </a:fontRef>
+        </p:style>
+        <p:txBody>
+          <a:bodyPr rtlCol="0" anchor="ctr"/>
+          <a:lstStyle/>
+          <a:p>
+            <a:pPr algn="ctr"/>
+            <a:endParaRPr kumimoji="1" lang="zh-CN" altLang="en-US"/>
+          </a:p>
+        </p:txBody>
+      </p:sp>
+      <p:sp>
+        <p:nvSpPr>
+          <p:cNvPr id="18" name="左大括号 17">
+            <a:extLst>
+              <a:ext uri="{FF2B5EF4-FFF2-40B4-BE49-F238E27FC236}">
+                <a16:creationId xmlns:a16="http://schemas.microsoft.com/office/drawing/2014/main" id="{6B0485C7-628F-FA48-8E44-AD644557F292}"/>
+              </a:ext>
+            </a:extLst>
+          </p:cNvPr>
+          <p:cNvSpPr/>
+          <p:nvPr/>
+        </p:nvSpPr>
+        <p:spPr>
+          <a:xfrm rot="16200000">
+            <a:off x="2722757" y="1134375"/>
+            <a:ext cx="535286" cy="3761103"/>
+          </a:xfrm>
+          <a:prstGeom prst="leftBrace">
+            <a:avLst/>
+          </a:prstGeom>
+          <a:ln/>
+        </p:spPr>
+        <p:style>
+          <a:lnRef idx="3">
+            <a:schemeClr val="dk1"/>
+          </a:lnRef>
+          <a:fillRef idx="0">
+            <a:schemeClr val="dk1"/>
+          </a:fillRef>
+          <a:effectRef idx="2">
+            <a:schemeClr val="dk1"/>
+          </a:effectRef>
+          <a:fontRef idx="minor">
+            <a:schemeClr val="tx1"/>
+          </a:fontRef>
+        </p:style>
+        <p:txBody>
+          <a:bodyPr rtlCol="0" anchor="ctr"/>
+          <a:lstStyle/>
+          <a:p>
+            <a:pPr algn="ctr"/>
+            <a:endParaRPr kumimoji="1" lang="zh-CN" altLang="en-US"/>
+          </a:p>
+        </p:txBody>
+      </p:sp>
+      <p:sp>
+        <p:nvSpPr>
+          <p:cNvPr id="2" name="文本框 1">
+            <a:extLst>
+              <a:ext uri="{FF2B5EF4-FFF2-40B4-BE49-F238E27FC236}">
+                <a16:creationId xmlns:a16="http://schemas.microsoft.com/office/drawing/2014/main" id="{C830F1F6-D98E-0D4D-B947-A1F591911FE8}"/>
+              </a:ext>
+            </a:extLst>
+          </p:cNvPr>
+          <p:cNvSpPr txBox="1"/>
+          <p:nvPr/>
+        </p:nvSpPr>
+        <p:spPr>
+          <a:xfrm>
+            <a:off x="2511550" y="3913372"/>
+            <a:ext cx="1088904" cy="369948"/>
+          </a:xfrm>
+          <a:prstGeom prst="rect">
+            <a:avLst/>
+          </a:prstGeom>
+          <a:noFill/>
+        </p:spPr>
+        <p:txBody>
+          <a:bodyPr wrap="square" rtlCol="0">
+            <a:spAutoFit/>
+          </a:bodyPr>
+          <a:lstStyle/>
+          <a:p>
+            <a:r>
+              <a:rPr kumimoji="1" lang="en-US" altLang="zh-CN" dirty="0"/>
+              <a:t>DP[</a:t>
+            </a:r>
+            <a:r>
+              <a:rPr kumimoji="1" lang="en-US" altLang="zh-CN" dirty="0" err="1"/>
+              <a:t>i</a:t>
+            </a:r>
+            <a:r>
+              <a:rPr kumimoji="1" lang="en-US" altLang="zh-CN" dirty="0"/>
+              <a:t>][j]</a:t>
+            </a:r>
+            <a:endParaRPr kumimoji="1" lang="zh-CN" altLang="en-US" dirty="0"/>
+          </a:p>
+        </p:txBody>
+      </p:sp>
+      <p:sp>
+        <p:nvSpPr>
+          <p:cNvPr id="21" name="文本框 20">
+            <a:extLst>
+              <a:ext uri="{FF2B5EF4-FFF2-40B4-BE49-F238E27FC236}">
+                <a16:creationId xmlns:a16="http://schemas.microsoft.com/office/drawing/2014/main" id="{A5AAF4B4-98C5-B341-9D51-B017088F694B}"/>
+              </a:ext>
+            </a:extLst>
+          </p:cNvPr>
+          <p:cNvSpPr txBox="1"/>
+          <p:nvPr/>
+        </p:nvSpPr>
+        <p:spPr>
+          <a:xfrm>
+            <a:off x="2258124" y="3194988"/>
+            <a:ext cx="1428037" cy="369332"/>
+          </a:xfrm>
+          <a:prstGeom prst="rect">
+            <a:avLst/>
+          </a:prstGeom>
+          <a:noFill/>
+        </p:spPr>
+        <p:txBody>
+          <a:bodyPr wrap="square" rtlCol="0">
+            <a:spAutoFit/>
+          </a:bodyPr>
+          <a:lstStyle/>
+          <a:p>
+            <a:r>
+              <a:rPr kumimoji="1" lang="en-US" altLang="zh-CN" dirty="0"/>
+              <a:t>DP[i+1][j-1]</a:t>
+            </a:r>
+            <a:endParaRPr kumimoji="1" lang="zh-CN" altLang="en-US" dirty="0"/>
+          </a:p>
+        </p:txBody>
+      </p:sp>
+      <p:sp>
+        <p:nvSpPr>
+          <p:cNvPr id="22" name="文本框 21">
+            <a:extLst>
+              <a:ext uri="{FF2B5EF4-FFF2-40B4-BE49-F238E27FC236}">
+                <a16:creationId xmlns:a16="http://schemas.microsoft.com/office/drawing/2014/main" id="{1AC06F4D-F49C-7649-9C32-3F9F04FD37B1}"/>
+              </a:ext>
+            </a:extLst>
+          </p:cNvPr>
+          <p:cNvSpPr txBox="1"/>
+          <p:nvPr/>
+        </p:nvSpPr>
+        <p:spPr>
+          <a:xfrm>
+            <a:off x="556155" y="4459103"/>
+            <a:ext cx="6088597" cy="923330"/>
+          </a:xfrm>
+          <a:prstGeom prst="rect">
+            <a:avLst/>
+          </a:prstGeom>
+          <a:noFill/>
+        </p:spPr>
+        <p:txBody>
+          <a:bodyPr wrap="square" rtlCol="0">
+            <a:spAutoFit/>
+          </a:bodyPr>
+          <a:lstStyle/>
+          <a:p>
+            <a:r>
+              <a:rPr kumimoji="1" lang="en-US" altLang="zh-CN" dirty="0"/>
+              <a:t>1.</a:t>
+            </a:r>
+            <a:r>
+              <a:rPr kumimoji="1" lang="zh-CN" altLang="en-US" dirty="0"/>
+              <a:t> </a:t>
+            </a:r>
+            <a:r>
+              <a:rPr kumimoji="1" lang="en-US" altLang="zh-CN" dirty="0" err="1"/>
+              <a:t>dp</a:t>
+            </a:r>
+            <a:r>
+              <a:rPr kumimoji="1" lang="en-US" altLang="zh-CN" dirty="0"/>
+              <a:t>[</a:t>
+            </a:r>
+            <a:r>
+              <a:rPr kumimoji="1" lang="en-US" altLang="zh-CN" dirty="0" err="1"/>
+              <a:t>i</a:t>
+            </a:r>
+            <a:r>
+              <a:rPr kumimoji="1" lang="en-US" altLang="zh-CN" dirty="0"/>
+              <a:t>][j]: </a:t>
+            </a:r>
+            <a:r>
+              <a:rPr kumimoji="1" lang="zh-CN" altLang="en-US" dirty="0"/>
+              <a:t>对于</a:t>
+            </a:r>
+            <a:r>
+              <a:rPr kumimoji="1" lang="en-US" altLang="zh-CN" dirty="0"/>
+              <a:t>s[</a:t>
+            </a:r>
+            <a:r>
+              <a:rPr kumimoji="1" lang="en-US" altLang="zh-CN" dirty="0" err="1"/>
+              <a:t>i:j</a:t>
+            </a:r>
+            <a:r>
+              <a:rPr kumimoji="1" lang="en-US" altLang="zh-CN" dirty="0"/>
+              <a:t>]</a:t>
+            </a:r>
+            <a:r>
+              <a:rPr kumimoji="1" lang="zh-CN" altLang="en-US" dirty="0"/>
+              <a:t>序列取最优结果</a:t>
+            </a:r>
+            <a:endParaRPr kumimoji="1" lang="en-US" altLang="zh-CN" dirty="0"/>
+          </a:p>
+          <a:p>
+            <a:r>
+              <a:rPr kumimoji="1" lang="en-US" altLang="zh-CN" dirty="0"/>
+              <a:t>2.</a:t>
+            </a:r>
+            <a:r>
+              <a:rPr kumimoji="1" lang="zh-CN" altLang="en-US" dirty="0"/>
+              <a:t> 思路：</a:t>
+            </a:r>
+            <a:r>
+              <a:rPr kumimoji="1" lang="en-US" altLang="zh-CN" dirty="0" err="1"/>
+              <a:t>dp</a:t>
+            </a:r>
+            <a:r>
+              <a:rPr kumimoji="1" lang="en-US" altLang="zh-CN" dirty="0"/>
+              <a:t>[</a:t>
+            </a:r>
+            <a:r>
+              <a:rPr kumimoji="1" lang="en-US" altLang="zh-CN" dirty="0" err="1"/>
+              <a:t>i</a:t>
+            </a:r>
+            <a:r>
+              <a:rPr kumimoji="1" lang="en-US" altLang="zh-CN" dirty="0"/>
+              <a:t>][j]</a:t>
+            </a:r>
+            <a:r>
+              <a:rPr kumimoji="1" lang="zh-CN" altLang="en-US" dirty="0"/>
+              <a:t>通过</a:t>
+            </a:r>
+            <a:r>
+              <a:rPr kumimoji="1" lang="en-US" altLang="zh-CN" dirty="0" err="1"/>
+              <a:t>dp</a:t>
+            </a:r>
+            <a:r>
+              <a:rPr kumimoji="1" lang="en-US" altLang="zh-CN" dirty="0"/>
+              <a:t>[i+1][j-1]</a:t>
+            </a:r>
+            <a:r>
+              <a:rPr kumimoji="1" lang="zh-CN" altLang="en-US" dirty="0"/>
+              <a:t>等小区间获得</a:t>
+            </a:r>
+            <a:endParaRPr kumimoji="1" lang="en-US" altLang="zh-CN" dirty="0"/>
+          </a:p>
+          <a:p>
+            <a:r>
+              <a:rPr kumimoji="1" lang="en-US" altLang="zh-CN" b="1" dirty="0"/>
+              <a:t>3.</a:t>
+            </a:r>
+            <a:r>
+              <a:rPr kumimoji="1" lang="zh-CN" altLang="en-US" b="1" dirty="0"/>
+              <a:t> 一定要明确好初始值</a:t>
+            </a:r>
+          </a:p>
+        </p:txBody>
+      </p:sp>
+      <p:pic>
+        <p:nvPicPr>
+          <p:cNvPr id="5" name="图片 4">
+            <a:extLst>
+              <a:ext uri="{FF2B5EF4-FFF2-40B4-BE49-F238E27FC236}">
+                <a16:creationId xmlns:a16="http://schemas.microsoft.com/office/drawing/2014/main" id="{03EE25EB-84E3-364A-ABEB-DA13F87E00A3}"/>
+              </a:ext>
+            </a:extLst>
+          </p:cNvPr>
+          <p:cNvPicPr>
+            <a:picLocks noChangeAspect="1"/>
+          </p:cNvPicPr>
+          <p:nvPr/>
+        </p:nvPicPr>
+        <p:blipFill>
+          <a:blip r:embed="rId2"/>
+          <a:stretch>
+            <a:fillRect/>
+          </a:stretch>
+        </p:blipFill>
+        <p:spPr>
+          <a:xfrm>
+            <a:off x="5278609" y="691346"/>
+            <a:ext cx="6625878" cy="4647160"/>
+          </a:xfrm>
+          <a:prstGeom prst="rect">
+            <a:avLst/>
+          </a:prstGeom>
+        </p:spPr>
+      </p:pic>
+    </p:spTree>
+    <p:extLst>
+      <p:ext uri="{BB962C8B-B14F-4D97-AF65-F5344CB8AC3E}">
+        <p14:creationId xmlns:p14="http://schemas.microsoft.com/office/powerpoint/2010/main" val="319285283"/>
       </p:ext>
     </p:extLst>
   </p:cSld>
